--- a/G3可行性报告2.pptx
+++ b/G3可行性报告2.pptx
@@ -17,10 +17,9 @@
     <p:sldId id="289" r:id="rId11"/>
     <p:sldId id="291" r:id="rId12"/>
     <p:sldId id="292" r:id="rId13"/>
-    <p:sldId id="293" r:id="rId14"/>
-    <p:sldId id="294" r:id="rId15"/>
-    <p:sldId id="295" r:id="rId16"/>
-    <p:sldId id="296" r:id="rId17"/>
+    <p:sldId id="294" r:id="rId14"/>
+    <p:sldId id="295" r:id="rId15"/>
+    <p:sldId id="296" r:id="rId16"/>
   </p:sldIdLst>
   <p:sldSz cx="12192000" cy="6858000"/>
   <p:notesSz cx="6858000" cy="9144000"/>
@@ -256,7 +255,7 @@
           <a:p>
             <a:fld id="{97726541-6093-4D04-8F16-FDC424C4DE33}" type="datetimeFigureOut">
               <a:rPr lang="zh-CN" altLang="en-US" smtClean="0"/>
-              <a:t>2017/3/26</a:t>
+              <a:t>2017/3/28</a:t>
             </a:fld>
             <a:endParaRPr lang="zh-CN" altLang="en-US"/>
           </a:p>
@@ -427,7 +426,7 @@
           <a:p>
             <a:fld id="{97726541-6093-4D04-8F16-FDC424C4DE33}" type="datetimeFigureOut">
               <a:rPr lang="zh-CN" altLang="en-US" smtClean="0"/>
-              <a:t>2017/3/26</a:t>
+              <a:t>2017/3/28</a:t>
             </a:fld>
             <a:endParaRPr lang="zh-CN" altLang="en-US"/>
           </a:p>
@@ -608,7 +607,7 @@
           <a:p>
             <a:fld id="{97726541-6093-4D04-8F16-FDC424C4DE33}" type="datetimeFigureOut">
               <a:rPr lang="zh-CN" altLang="en-US" smtClean="0"/>
-              <a:t>2017/3/26</a:t>
+              <a:t>2017/3/28</a:t>
             </a:fld>
             <a:endParaRPr lang="zh-CN" altLang="en-US"/>
           </a:p>
@@ -779,7 +778,7 @@
           <a:p>
             <a:fld id="{97726541-6093-4D04-8F16-FDC424C4DE33}" type="datetimeFigureOut">
               <a:rPr lang="zh-CN" altLang="en-US" smtClean="0"/>
-              <a:t>2017/3/26</a:t>
+              <a:t>2017/3/28</a:t>
             </a:fld>
             <a:endParaRPr lang="zh-CN" altLang="en-US"/>
           </a:p>
@@ -1027,7 +1026,7 @@
           <a:p>
             <a:fld id="{97726541-6093-4D04-8F16-FDC424C4DE33}" type="datetimeFigureOut">
               <a:rPr lang="zh-CN" altLang="en-US" smtClean="0"/>
-              <a:t>2017/3/26</a:t>
+              <a:t>2017/3/28</a:t>
             </a:fld>
             <a:endParaRPr lang="zh-CN" altLang="en-US"/>
           </a:p>
@@ -1259,7 +1258,7 @@
           <a:p>
             <a:fld id="{97726541-6093-4D04-8F16-FDC424C4DE33}" type="datetimeFigureOut">
               <a:rPr lang="zh-CN" altLang="en-US" smtClean="0"/>
-              <a:t>2017/3/26</a:t>
+              <a:t>2017/3/28</a:t>
             </a:fld>
             <a:endParaRPr lang="zh-CN" altLang="en-US"/>
           </a:p>
@@ -1626,7 +1625,7 @@
           <a:p>
             <a:fld id="{97726541-6093-4D04-8F16-FDC424C4DE33}" type="datetimeFigureOut">
               <a:rPr lang="zh-CN" altLang="en-US" smtClean="0"/>
-              <a:t>2017/3/26</a:t>
+              <a:t>2017/3/28</a:t>
             </a:fld>
             <a:endParaRPr lang="zh-CN" altLang="en-US"/>
           </a:p>
@@ -1746,7 +1745,7 @@
           <a:p>
             <a:fld id="{97726541-6093-4D04-8F16-FDC424C4DE33}" type="datetimeFigureOut">
               <a:rPr lang="zh-CN" altLang="en-US" smtClean="0"/>
-              <a:t>2017/3/26</a:t>
+              <a:t>2017/3/28</a:t>
             </a:fld>
             <a:endParaRPr lang="zh-CN" altLang="en-US"/>
           </a:p>
@@ -1844,7 +1843,7 @@
           <a:p>
             <a:fld id="{97726541-6093-4D04-8F16-FDC424C4DE33}" type="datetimeFigureOut">
               <a:rPr lang="zh-CN" altLang="en-US" smtClean="0"/>
-              <a:t>2017/3/26</a:t>
+              <a:t>2017/3/28</a:t>
             </a:fld>
             <a:endParaRPr lang="zh-CN" altLang="en-US"/>
           </a:p>
@@ -2122,7 +2121,7 @@
           <a:p>
             <a:fld id="{97726541-6093-4D04-8F16-FDC424C4DE33}" type="datetimeFigureOut">
               <a:rPr lang="zh-CN" altLang="en-US" smtClean="0"/>
-              <a:t>2017/3/26</a:t>
+              <a:t>2017/3/28</a:t>
             </a:fld>
             <a:endParaRPr lang="zh-CN" altLang="en-US"/>
           </a:p>
@@ -2377,7 +2376,7 @@
           <a:p>
             <a:fld id="{97726541-6093-4D04-8F16-FDC424C4DE33}" type="datetimeFigureOut">
               <a:rPr lang="zh-CN" altLang="en-US" smtClean="0"/>
-              <a:t>2017/3/26</a:t>
+              <a:t>2017/3/28</a:t>
             </a:fld>
             <a:endParaRPr lang="zh-CN" altLang="en-US"/>
           </a:p>
@@ -2597,7 +2596,7 @@
           <a:p>
             <a:fld id="{97726541-6093-4D04-8F16-FDC424C4DE33}" type="datetimeFigureOut">
               <a:rPr lang="zh-CN" altLang="en-US" smtClean="0"/>
-              <a:t>2017/3/26</a:t>
+              <a:t>2017/3/28</a:t>
             </a:fld>
             <a:endParaRPr lang="zh-CN" altLang="en-US"/>
           </a:p>
@@ -7394,817 +7393,6 @@
         </p:blipFill>
         <p:spPr>
           <a:xfrm>
-            <a:off x="2149990" y="2335924"/>
-            <a:ext cx="6709530" cy="3360573"/>
-          </a:xfrm>
-          <a:prstGeom prst="rect">
-            <a:avLst/>
-          </a:prstGeom>
-        </p:spPr>
-      </p:pic>
-      <p:sp>
-        <p:nvSpPr>
-          <p:cNvPr id="11" name="未知"/>
-          <p:cNvSpPr>
-            <a:spLocks/>
-          </p:cNvSpPr>
-          <p:nvPr/>
-        </p:nvSpPr>
-        <p:spPr bwMode="auto">
-          <a:xfrm flipV="1">
-            <a:off x="9901727" y="5355733"/>
-            <a:ext cx="1395915" cy="801266"/>
-          </a:xfrm>
-          <a:custGeom>
-            <a:avLst/>
-            <a:gdLst/>
-            <a:ahLst/>
-            <a:cxnLst>
-              <a:cxn ang="0">
-                <a:pos x="1179" y="681"/>
-              </a:cxn>
-              <a:cxn ang="0">
-                <a:pos x="1179" y="0"/>
-              </a:cxn>
-              <a:cxn ang="0">
-                <a:pos x="363" y="0"/>
-              </a:cxn>
-              <a:cxn ang="0">
-                <a:pos x="0" y="363"/>
-              </a:cxn>
-              <a:cxn ang="0">
-                <a:pos x="0" y="681"/>
-              </a:cxn>
-              <a:cxn ang="0">
-                <a:pos x="1179" y="681"/>
-              </a:cxn>
-            </a:cxnLst>
-            <a:rect l="0" t="0" r="r" b="b"/>
-            <a:pathLst>
-              <a:path w="1179" h="681">
-                <a:moveTo>
-                  <a:pt x="1179" y="681"/>
-                </a:moveTo>
-                <a:lnTo>
-                  <a:pt x="1179" y="0"/>
-                </a:lnTo>
-                <a:lnTo>
-                  <a:pt x="363" y="0"/>
-                </a:lnTo>
-                <a:lnTo>
-                  <a:pt x="0" y="363"/>
-                </a:lnTo>
-                <a:lnTo>
-                  <a:pt x="0" y="681"/>
-                </a:lnTo>
-                <a:lnTo>
-                  <a:pt x="1179" y="681"/>
-                </a:lnTo>
-                <a:close/>
-              </a:path>
-            </a:pathLst>
-          </a:custGeom>
-          <a:solidFill>
-            <a:schemeClr val="tx2">
-              <a:lumMod val="60000"/>
-              <a:lumOff val="40000"/>
-              <a:alpha val="50000"/>
-            </a:schemeClr>
-          </a:solidFill>
-          <a:ln w="9525">
-            <a:noFill/>
-            <a:round/>
-            <a:headEnd/>
-            <a:tailEnd/>
-          </a:ln>
-          <a:effectLst/>
-        </p:spPr>
-        <p:txBody>
-          <a:bodyPr/>
-          <a:lstStyle/>
-          <a:p>
-            <a:pPr>
-              <a:defRPr/>
-            </a:pPr>
-            <a:endParaRPr lang="zh-CN" altLang="en-US" sz="1905"/>
-          </a:p>
-        </p:txBody>
-      </p:sp>
-      <p:pic>
-        <p:nvPicPr>
-          <p:cNvPr id="12" name="Picture 197"/>
-          <p:cNvPicPr>
-            <a:picLocks noChangeAspect="1" noChangeArrowheads="1"/>
-          </p:cNvPicPr>
-          <p:nvPr/>
-        </p:nvPicPr>
-        <p:blipFill>
-          <a:blip r:embed="rId2" cstate="hqprint">
-            <a:extLst>
-              <a:ext uri="{28A0092B-C50C-407E-A947-70E740481C1C}">
-                <a14:useLocalDpi xmlns:a14="http://schemas.microsoft.com/office/drawing/2010/main" val="0"/>
-              </a:ext>
-            </a:extLst>
-          </a:blip>
-          <a:stretch>
-            <a:fillRect/>
-          </a:stretch>
-        </p:blipFill>
-        <p:spPr bwMode="auto">
-          <a:xfrm>
-            <a:off x="10037318" y="6074688"/>
-            <a:ext cx="360152" cy="290606"/>
-          </a:xfrm>
-          <a:prstGeom prst="rect">
-            <a:avLst/>
-          </a:prstGeom>
-          <a:noFill/>
-          <a:ln>
-            <a:noFill/>
-          </a:ln>
-          <a:extLst>
-            <a:ext uri="{909E8E84-426E-40DD-AFC4-6F175D3DCCD1}">
-              <a14:hiddenFill xmlns:a14="http://schemas.microsoft.com/office/drawing/2010/main">
-                <a:solidFill>
-                  <a:srgbClr val="FFFFFF"/>
-                </a:solidFill>
-              </a14:hiddenFill>
-            </a:ext>
-            <a:ext uri="{91240B29-F687-4F45-9708-019B960494DF}">
-              <a14:hiddenLine xmlns:a14="http://schemas.microsoft.com/office/drawing/2010/main" w="9525">
-                <a:solidFill>
-                  <a:srgbClr val="000000"/>
-                </a:solidFill>
-                <a:miter lim="800000"/>
-                <a:headEnd/>
-                <a:tailEnd/>
-              </a14:hiddenLine>
-            </a:ext>
-          </a:extLst>
-        </p:spPr>
-      </p:pic>
-      <p:sp>
-        <p:nvSpPr>
-          <p:cNvPr id="13" name="未知"/>
-          <p:cNvSpPr>
-            <a:spLocks/>
-          </p:cNvSpPr>
-          <p:nvPr/>
-        </p:nvSpPr>
-        <p:spPr bwMode="auto">
-          <a:xfrm>
-            <a:off x="9824457" y="4085804"/>
-            <a:ext cx="915491" cy="2361801"/>
-          </a:xfrm>
-          <a:custGeom>
-            <a:avLst/>
-            <a:gdLst>
-              <a:gd name="T0" fmla="*/ 0 w 545"/>
-              <a:gd name="T1" fmla="*/ 1406 h 1406"/>
-              <a:gd name="T2" fmla="*/ 545 w 545"/>
-              <a:gd name="T3" fmla="*/ 861 h 1406"/>
-              <a:gd name="T4" fmla="*/ 545 w 545"/>
-              <a:gd name="T5" fmla="*/ 0 h 1406"/>
-              <a:gd name="T6" fmla="*/ 0 60000 65536"/>
-              <a:gd name="T7" fmla="*/ 0 60000 65536"/>
-              <a:gd name="T8" fmla="*/ 0 60000 65536"/>
-              <a:gd name="T9" fmla="*/ 0 w 545"/>
-              <a:gd name="T10" fmla="*/ 0 h 1406"/>
-              <a:gd name="T11" fmla="*/ 545 w 545"/>
-              <a:gd name="T12" fmla="*/ 1406 h 1406"/>
-            </a:gdLst>
-            <a:ahLst/>
-            <a:cxnLst>
-              <a:cxn ang="T6">
-                <a:pos x="T0" y="T1"/>
-              </a:cxn>
-              <a:cxn ang="T7">
-                <a:pos x="T2" y="T3"/>
-              </a:cxn>
-              <a:cxn ang="T8">
-                <a:pos x="T4" y="T5"/>
-              </a:cxn>
-            </a:cxnLst>
-            <a:rect l="T9" t="T10" r="T11" b="T12"/>
-            <a:pathLst>
-              <a:path w="545" h="1406">
-                <a:moveTo>
-                  <a:pt x="0" y="1406"/>
-                </a:moveTo>
-                <a:lnTo>
-                  <a:pt x="545" y="861"/>
-                </a:lnTo>
-                <a:lnTo>
-                  <a:pt x="545" y="0"/>
-                </a:lnTo>
-              </a:path>
-            </a:pathLst>
-          </a:custGeom>
-          <a:noFill/>
-          <a:ln w="12700" cap="rnd">
-            <a:solidFill>
-              <a:schemeClr val="bg1"/>
-            </a:solidFill>
-            <a:prstDash val="sysDot"/>
-            <a:round/>
-            <a:headEnd/>
-            <a:tailEnd/>
-          </a:ln>
-          <a:extLst>
-            <a:ext uri="{909E8E84-426E-40DD-AFC4-6F175D3DCCD1}">
-              <a14:hiddenFill xmlns:a14="http://schemas.microsoft.com/office/drawing/2010/main">
-                <a:solidFill>
-                  <a:srgbClr val="FFFFFF"/>
-                </a:solidFill>
-              </a14:hiddenFill>
-            </a:ext>
-          </a:extLst>
-        </p:spPr>
-        <p:txBody>
-          <a:bodyPr wrap="none" anchor="ctr"/>
-          <a:lstStyle>
-            <a:lvl1pPr>
-              <a:defRPr>
-                <a:solidFill>
-                  <a:schemeClr val="tx1"/>
-                </a:solidFill>
-                <a:latin typeface="Calibri" panose="020F0502020204030204" pitchFamily="34" charset="0"/>
-                <a:ea typeface="宋体" panose="02010600030101010101" pitchFamily="2" charset="-122"/>
-              </a:defRPr>
-            </a:lvl1pPr>
-            <a:lvl2pPr marL="742950" indent="-285750">
-              <a:defRPr>
-                <a:solidFill>
-                  <a:schemeClr val="tx1"/>
-                </a:solidFill>
-                <a:latin typeface="Calibri" panose="020F0502020204030204" pitchFamily="34" charset="0"/>
-                <a:ea typeface="宋体" panose="02010600030101010101" pitchFamily="2" charset="-122"/>
-              </a:defRPr>
-            </a:lvl2pPr>
-            <a:lvl3pPr marL="1143000" indent="-228600">
-              <a:defRPr>
-                <a:solidFill>
-                  <a:schemeClr val="tx1"/>
-                </a:solidFill>
-                <a:latin typeface="Calibri" panose="020F0502020204030204" pitchFamily="34" charset="0"/>
-                <a:ea typeface="宋体" panose="02010600030101010101" pitchFamily="2" charset="-122"/>
-              </a:defRPr>
-            </a:lvl3pPr>
-            <a:lvl4pPr marL="1600200" indent="-228600">
-              <a:defRPr>
-                <a:solidFill>
-                  <a:schemeClr val="tx1"/>
-                </a:solidFill>
-                <a:latin typeface="Calibri" panose="020F0502020204030204" pitchFamily="34" charset="0"/>
-                <a:ea typeface="宋体" panose="02010600030101010101" pitchFamily="2" charset="-122"/>
-              </a:defRPr>
-            </a:lvl4pPr>
-            <a:lvl5pPr marL="2057400" indent="-228600">
-              <a:defRPr>
-                <a:solidFill>
-                  <a:schemeClr val="tx1"/>
-                </a:solidFill>
-                <a:latin typeface="Calibri" panose="020F0502020204030204" pitchFamily="34" charset="0"/>
-                <a:ea typeface="宋体" panose="02010600030101010101" pitchFamily="2" charset="-122"/>
-              </a:defRPr>
-            </a:lvl5pPr>
-            <a:lvl6pPr marL="2514600" indent="-228600" fontAlgn="base">
-              <a:spcBef>
-                <a:spcPct val="0"/>
-              </a:spcBef>
-              <a:spcAft>
-                <a:spcPct val="0"/>
-              </a:spcAft>
-              <a:defRPr>
-                <a:solidFill>
-                  <a:schemeClr val="tx1"/>
-                </a:solidFill>
-                <a:latin typeface="Calibri" panose="020F0502020204030204" pitchFamily="34" charset="0"/>
-                <a:ea typeface="宋体" panose="02010600030101010101" pitchFamily="2" charset="-122"/>
-              </a:defRPr>
-            </a:lvl6pPr>
-            <a:lvl7pPr marL="2971800" indent="-228600" fontAlgn="base">
-              <a:spcBef>
-                <a:spcPct val="0"/>
-              </a:spcBef>
-              <a:spcAft>
-                <a:spcPct val="0"/>
-              </a:spcAft>
-              <a:defRPr>
-                <a:solidFill>
-                  <a:schemeClr val="tx1"/>
-                </a:solidFill>
-                <a:latin typeface="Calibri" panose="020F0502020204030204" pitchFamily="34" charset="0"/>
-                <a:ea typeface="宋体" panose="02010600030101010101" pitchFamily="2" charset="-122"/>
-              </a:defRPr>
-            </a:lvl7pPr>
-            <a:lvl8pPr marL="3429000" indent="-228600" fontAlgn="base">
-              <a:spcBef>
-                <a:spcPct val="0"/>
-              </a:spcBef>
-              <a:spcAft>
-                <a:spcPct val="0"/>
-              </a:spcAft>
-              <a:defRPr>
-                <a:solidFill>
-                  <a:schemeClr val="tx1"/>
-                </a:solidFill>
-                <a:latin typeface="Calibri" panose="020F0502020204030204" pitchFamily="34" charset="0"/>
-                <a:ea typeface="宋体" panose="02010600030101010101" pitchFamily="2" charset="-122"/>
-              </a:defRPr>
-            </a:lvl8pPr>
-            <a:lvl9pPr marL="3886200" indent="-228600" fontAlgn="base">
-              <a:spcBef>
-                <a:spcPct val="0"/>
-              </a:spcBef>
-              <a:spcAft>
-                <a:spcPct val="0"/>
-              </a:spcAft>
-              <a:defRPr>
-                <a:solidFill>
-                  <a:schemeClr val="tx1"/>
-                </a:solidFill>
-                <a:latin typeface="Calibri" panose="020F0502020204030204" pitchFamily="34" charset="0"/>
-                <a:ea typeface="宋体" panose="02010600030101010101" pitchFamily="2" charset="-122"/>
-              </a:defRPr>
-            </a:lvl9pPr>
-          </a:lstStyle>
-          <a:p>
-            <a:endParaRPr lang="zh-CN" altLang="en-US" sz="1905"/>
-          </a:p>
-        </p:txBody>
-      </p:sp>
-      <p:sp>
-        <p:nvSpPr>
-          <p:cNvPr id="14" name="未知"/>
-          <p:cNvSpPr>
-            <a:spLocks/>
-          </p:cNvSpPr>
-          <p:nvPr/>
-        </p:nvSpPr>
-        <p:spPr bwMode="auto">
-          <a:xfrm>
-            <a:off x="9149176" y="6447604"/>
-            <a:ext cx="685359" cy="1680"/>
-          </a:xfrm>
-          <a:custGeom>
-            <a:avLst/>
-            <a:gdLst>
-              <a:gd name="T0" fmla="*/ 0 w 408"/>
-              <a:gd name="T1" fmla="*/ 0 h 1"/>
-              <a:gd name="T2" fmla="*/ 408 w 408"/>
-              <a:gd name="T3" fmla="*/ 0 h 1"/>
-              <a:gd name="T4" fmla="*/ 0 60000 65536"/>
-              <a:gd name="T5" fmla="*/ 0 60000 65536"/>
-              <a:gd name="T6" fmla="*/ 0 w 408"/>
-              <a:gd name="T7" fmla="*/ 0 h 1"/>
-              <a:gd name="T8" fmla="*/ 408 w 408"/>
-              <a:gd name="T9" fmla="*/ 1 h 1"/>
-            </a:gdLst>
-            <a:ahLst/>
-            <a:cxnLst>
-              <a:cxn ang="T4">
-                <a:pos x="T0" y="T1"/>
-              </a:cxn>
-              <a:cxn ang="T5">
-                <a:pos x="T2" y="T3"/>
-              </a:cxn>
-            </a:cxnLst>
-            <a:rect l="T6" t="T7" r="T8" b="T9"/>
-            <a:pathLst>
-              <a:path w="408" h="1">
-                <a:moveTo>
-                  <a:pt x="0" y="0"/>
-                </a:moveTo>
-                <a:lnTo>
-                  <a:pt x="408" y="0"/>
-                </a:lnTo>
-              </a:path>
-            </a:pathLst>
-          </a:custGeom>
-          <a:noFill/>
-          <a:ln w="12700" cap="rnd">
-            <a:solidFill>
-              <a:schemeClr val="bg1"/>
-            </a:solidFill>
-            <a:prstDash val="sysDot"/>
-            <a:round/>
-            <a:headEnd/>
-            <a:tailEnd/>
-          </a:ln>
-          <a:extLst>
-            <a:ext uri="{909E8E84-426E-40DD-AFC4-6F175D3DCCD1}">
-              <a14:hiddenFill xmlns:a14="http://schemas.microsoft.com/office/drawing/2010/main">
-                <a:solidFill>
-                  <a:srgbClr val="FFFFFF"/>
-                </a:solidFill>
-              </a14:hiddenFill>
-            </a:ext>
-          </a:extLst>
-        </p:spPr>
-        <p:txBody>
-          <a:bodyPr wrap="none" anchor="ctr"/>
-          <a:lstStyle>
-            <a:lvl1pPr>
-              <a:defRPr>
-                <a:solidFill>
-                  <a:schemeClr val="tx1"/>
-                </a:solidFill>
-                <a:latin typeface="Calibri" panose="020F0502020204030204" pitchFamily="34" charset="0"/>
-                <a:ea typeface="宋体" panose="02010600030101010101" pitchFamily="2" charset="-122"/>
-              </a:defRPr>
-            </a:lvl1pPr>
-            <a:lvl2pPr marL="742950" indent="-285750">
-              <a:defRPr>
-                <a:solidFill>
-                  <a:schemeClr val="tx1"/>
-                </a:solidFill>
-                <a:latin typeface="Calibri" panose="020F0502020204030204" pitchFamily="34" charset="0"/>
-                <a:ea typeface="宋体" panose="02010600030101010101" pitchFamily="2" charset="-122"/>
-              </a:defRPr>
-            </a:lvl2pPr>
-            <a:lvl3pPr marL="1143000" indent="-228600">
-              <a:defRPr>
-                <a:solidFill>
-                  <a:schemeClr val="tx1"/>
-                </a:solidFill>
-                <a:latin typeface="Calibri" panose="020F0502020204030204" pitchFamily="34" charset="0"/>
-                <a:ea typeface="宋体" panose="02010600030101010101" pitchFamily="2" charset="-122"/>
-              </a:defRPr>
-            </a:lvl3pPr>
-            <a:lvl4pPr marL="1600200" indent="-228600">
-              <a:defRPr>
-                <a:solidFill>
-                  <a:schemeClr val="tx1"/>
-                </a:solidFill>
-                <a:latin typeface="Calibri" panose="020F0502020204030204" pitchFamily="34" charset="0"/>
-                <a:ea typeface="宋体" panose="02010600030101010101" pitchFamily="2" charset="-122"/>
-              </a:defRPr>
-            </a:lvl4pPr>
-            <a:lvl5pPr marL="2057400" indent="-228600">
-              <a:defRPr>
-                <a:solidFill>
-                  <a:schemeClr val="tx1"/>
-                </a:solidFill>
-                <a:latin typeface="Calibri" panose="020F0502020204030204" pitchFamily="34" charset="0"/>
-                <a:ea typeface="宋体" panose="02010600030101010101" pitchFamily="2" charset="-122"/>
-              </a:defRPr>
-            </a:lvl5pPr>
-            <a:lvl6pPr marL="2514600" indent="-228600" fontAlgn="base">
-              <a:spcBef>
-                <a:spcPct val="0"/>
-              </a:spcBef>
-              <a:spcAft>
-                <a:spcPct val="0"/>
-              </a:spcAft>
-              <a:defRPr>
-                <a:solidFill>
-                  <a:schemeClr val="tx1"/>
-                </a:solidFill>
-                <a:latin typeface="Calibri" panose="020F0502020204030204" pitchFamily="34" charset="0"/>
-                <a:ea typeface="宋体" panose="02010600030101010101" pitchFamily="2" charset="-122"/>
-              </a:defRPr>
-            </a:lvl6pPr>
-            <a:lvl7pPr marL="2971800" indent="-228600" fontAlgn="base">
-              <a:spcBef>
-                <a:spcPct val="0"/>
-              </a:spcBef>
-              <a:spcAft>
-                <a:spcPct val="0"/>
-              </a:spcAft>
-              <a:defRPr>
-                <a:solidFill>
-                  <a:schemeClr val="tx1"/>
-                </a:solidFill>
-                <a:latin typeface="Calibri" panose="020F0502020204030204" pitchFamily="34" charset="0"/>
-                <a:ea typeface="宋体" panose="02010600030101010101" pitchFamily="2" charset="-122"/>
-              </a:defRPr>
-            </a:lvl7pPr>
-            <a:lvl8pPr marL="3429000" indent="-228600" fontAlgn="base">
-              <a:spcBef>
-                <a:spcPct val="0"/>
-              </a:spcBef>
-              <a:spcAft>
-                <a:spcPct val="0"/>
-              </a:spcAft>
-              <a:defRPr>
-                <a:solidFill>
-                  <a:schemeClr val="tx1"/>
-                </a:solidFill>
-                <a:latin typeface="Calibri" panose="020F0502020204030204" pitchFamily="34" charset="0"/>
-                <a:ea typeface="宋体" panose="02010600030101010101" pitchFamily="2" charset="-122"/>
-              </a:defRPr>
-            </a:lvl8pPr>
-            <a:lvl9pPr marL="3886200" indent="-228600" fontAlgn="base">
-              <a:spcBef>
-                <a:spcPct val="0"/>
-              </a:spcBef>
-              <a:spcAft>
-                <a:spcPct val="0"/>
-              </a:spcAft>
-              <a:defRPr>
-                <a:solidFill>
-                  <a:schemeClr val="tx1"/>
-                </a:solidFill>
-                <a:latin typeface="Calibri" panose="020F0502020204030204" pitchFamily="34" charset="0"/>
-                <a:ea typeface="宋体" panose="02010600030101010101" pitchFamily="2" charset="-122"/>
-              </a:defRPr>
-            </a:lvl9pPr>
-          </a:lstStyle>
-          <a:p>
-            <a:endParaRPr lang="zh-CN" altLang="en-US" sz="1905"/>
-          </a:p>
-        </p:txBody>
-      </p:sp>
-    </p:spTree>
-    <p:extLst>
-      <p:ext uri="{BB962C8B-B14F-4D97-AF65-F5344CB8AC3E}">
-        <p14:creationId xmlns:p14="http://schemas.microsoft.com/office/powerpoint/2010/main" val="1923596610"/>
-      </p:ext>
-    </p:extLst>
-  </p:cSld>
-  <p:clrMapOvr>
-    <a:masterClrMapping/>
-  </p:clrMapOvr>
-  <p:transition spd="slow">
-    <p:push dir="u"/>
-  </p:transition>
-  <p:timing>
-    <p:tnLst>
-      <p:par>
-        <p:cTn id="1" dur="indefinite" restart="never" nodeType="tmRoot">
-          <p:childTnLst>
-            <p:seq concurrent="1" nextAc="seek">
-              <p:cTn id="2" dur="indefinite" nodeType="mainSeq">
-                <p:childTnLst>
-                  <p:par>
-                    <p:cTn id="3" fill="hold">
-                      <p:stCondLst>
-                        <p:cond delay="indefinite"/>
-                      </p:stCondLst>
-                      <p:childTnLst>
-                        <p:par>
-                          <p:cTn id="4" fill="hold">
-                            <p:stCondLst>
-                              <p:cond delay="0"/>
-                            </p:stCondLst>
-                            <p:childTnLst>
-                              <p:par>
-                                <p:cTn id="5" presetID="2" presetClass="entr" presetSubtype="4" fill="hold" nodeType="clickEffect">
-                                  <p:stCondLst>
-                                    <p:cond delay="0"/>
-                                  </p:stCondLst>
-                                  <p:childTnLst>
-                                    <p:set>
-                                      <p:cBhvr>
-                                        <p:cTn id="6" dur="1" fill="hold">
-                                          <p:stCondLst>
-                                            <p:cond delay="0"/>
-                                          </p:stCondLst>
-                                        </p:cTn>
-                                        <p:tgtEl>
-                                          <p:spTgt spid="3"/>
-                                        </p:tgtEl>
-                                        <p:attrNameLst>
-                                          <p:attrName>style.visibility</p:attrName>
-                                        </p:attrNameLst>
-                                      </p:cBhvr>
-                                      <p:to>
-                                        <p:strVal val="visible"/>
-                                      </p:to>
-                                    </p:set>
-                                    <p:anim calcmode="lin" valueType="num">
-                                      <p:cBhvr additive="base">
-                                        <p:cTn id="7" dur="500" fill="hold"/>
-                                        <p:tgtEl>
-                                          <p:spTgt spid="3"/>
-                                        </p:tgtEl>
-                                        <p:attrNameLst>
-                                          <p:attrName>ppt_x</p:attrName>
-                                        </p:attrNameLst>
-                                      </p:cBhvr>
-                                      <p:tavLst>
-                                        <p:tav tm="0">
-                                          <p:val>
-                                            <p:strVal val="#ppt_x"/>
-                                          </p:val>
-                                        </p:tav>
-                                        <p:tav tm="100000">
-                                          <p:val>
-                                            <p:strVal val="#ppt_x"/>
-                                          </p:val>
-                                        </p:tav>
-                                      </p:tavLst>
-                                    </p:anim>
-                                    <p:anim calcmode="lin" valueType="num">
-                                      <p:cBhvr additive="base">
-                                        <p:cTn id="8" dur="500" fill="hold"/>
-                                        <p:tgtEl>
-                                          <p:spTgt spid="3"/>
-                                        </p:tgtEl>
-                                        <p:attrNameLst>
-                                          <p:attrName>ppt_y</p:attrName>
-                                        </p:attrNameLst>
-                                      </p:cBhvr>
-                                      <p:tavLst>
-                                        <p:tav tm="0">
-                                          <p:val>
-                                            <p:strVal val="1+#ppt_h/2"/>
-                                          </p:val>
-                                        </p:tav>
-                                        <p:tav tm="100000">
-                                          <p:val>
-                                            <p:strVal val="#ppt_y"/>
-                                          </p:val>
-                                        </p:tav>
-                                      </p:tavLst>
-                                    </p:anim>
-                                  </p:childTnLst>
-                                </p:cTn>
-                              </p:par>
-                            </p:childTnLst>
-                          </p:cTn>
-                        </p:par>
-                      </p:childTnLst>
-                    </p:cTn>
-                  </p:par>
-                </p:childTnLst>
-              </p:cTn>
-              <p:prevCondLst>
-                <p:cond evt="onPrev" delay="0">
-                  <p:tgtEl>
-                    <p:sldTgt/>
-                  </p:tgtEl>
-                </p:cond>
-              </p:prevCondLst>
-              <p:nextCondLst>
-                <p:cond evt="onNext" delay="0">
-                  <p:tgtEl>
-                    <p:sldTgt/>
-                  </p:tgtEl>
-                </p:cond>
-              </p:nextCondLst>
-            </p:seq>
-          </p:childTnLst>
-        </p:cTn>
-      </p:par>
-    </p:tnLst>
-  </p:timing>
-</p:sld>
-</file>
-
-<file path=ppt/slides/slide14.xml><?xml version="1.0" encoding="utf-8"?>
-<p:sld xmlns:a="http://schemas.openxmlformats.org/drawingml/2006/main" xmlns:r="http://schemas.openxmlformats.org/officeDocument/2006/relationships" xmlns:p="http://schemas.openxmlformats.org/presentationml/2006/main">
-  <p:cSld>
-    <p:spTree>
-      <p:nvGrpSpPr>
-        <p:cNvPr id="1" name=""/>
-        <p:cNvGrpSpPr/>
-        <p:nvPr/>
-      </p:nvGrpSpPr>
-      <p:grpSpPr>
-        <a:xfrm>
-          <a:off x="0" y="0"/>
-          <a:ext cx="0" cy="0"/>
-          <a:chOff x="0" y="0"/>
-          <a:chExt cx="0" cy="0"/>
-        </a:xfrm>
-      </p:grpSpPr>
-      <p:pic>
-        <p:nvPicPr>
-          <p:cNvPr id="28" name="图片 27"/>
-          <p:cNvPicPr>
-            <a:picLocks noChangeAspect="1"/>
-          </p:cNvPicPr>
-          <p:nvPr/>
-        </p:nvPicPr>
-        <p:blipFill>
-          <a:blip r:embed="rId2">
-            <a:extLst>
-              <a:ext uri="{28A0092B-C50C-407E-A947-70E740481C1C}">
-                <a14:useLocalDpi xmlns:a14="http://schemas.microsoft.com/office/drawing/2010/main" val="0"/>
-              </a:ext>
-            </a:extLst>
-          </a:blip>
-          <a:stretch>
-            <a:fillRect/>
-          </a:stretch>
-        </p:blipFill>
-        <p:spPr>
-          <a:xfrm>
-            <a:off x="2689" y="152626"/>
-            <a:ext cx="1934412" cy="1560871"/>
-          </a:xfrm>
-          <a:prstGeom prst="rect">
-            <a:avLst/>
-          </a:prstGeom>
-        </p:spPr>
-      </p:pic>
-      <p:sp>
-        <p:nvSpPr>
-          <p:cNvPr id="29" name="TextBox 29"/>
-          <p:cNvSpPr txBox="1"/>
-          <p:nvPr/>
-        </p:nvSpPr>
-        <p:spPr>
-          <a:xfrm>
-            <a:off x="2149990" y="579118"/>
-            <a:ext cx="5865121" cy="707886"/>
-          </a:xfrm>
-          <a:prstGeom prst="rect">
-            <a:avLst/>
-          </a:prstGeom>
-          <a:noFill/>
-        </p:spPr>
-        <p:txBody>
-          <a:bodyPr wrap="square">
-            <a:spAutoFit/>
-          </a:bodyPr>
-          <a:lstStyle/>
-          <a:p>
-            <a:pPr marL="571500" indent="-571500">
-              <a:buFont typeface="Arial" panose="020B0604020202020204" pitchFamily="34" charset="0"/>
-              <a:buChar char="•"/>
-              <a:defRPr/>
-            </a:pPr>
-            <a:r>
-              <a:rPr lang="en-US" altLang="zh-CN" sz="4000" b="1" dirty="0">
-                <a:solidFill>
-                  <a:schemeClr val="bg1"/>
-                </a:solidFill>
-                <a:ea typeface="创艺简中圆" pitchFamily="2" charset="-122"/>
-              </a:rPr>
-              <a:t>5</a:t>
-            </a:r>
-            <a:r>
-              <a:rPr lang="zh-CN" altLang="en-US" sz="4000" b="1" dirty="0">
-                <a:solidFill>
-                  <a:schemeClr val="bg1"/>
-                </a:solidFill>
-                <a:ea typeface="创艺简中圆" pitchFamily="2" charset="-122"/>
-              </a:rPr>
-              <a:t>、专题计划要点</a:t>
-            </a:r>
-          </a:p>
-        </p:txBody>
-      </p:sp>
-      <p:sp>
-        <p:nvSpPr>
-          <p:cNvPr id="10" name="文本框 9"/>
-          <p:cNvSpPr txBox="1"/>
-          <p:nvPr/>
-        </p:nvSpPr>
-        <p:spPr>
-          <a:xfrm>
-            <a:off x="2149990" y="1832206"/>
-            <a:ext cx="7751737" cy="461665"/>
-          </a:xfrm>
-          <a:prstGeom prst="rect">
-            <a:avLst/>
-          </a:prstGeom>
-          <a:noFill/>
-        </p:spPr>
-        <p:txBody>
-          <a:bodyPr wrap="square" rtlCol="0">
-            <a:spAutoFit/>
-          </a:bodyPr>
-          <a:lstStyle/>
-          <a:p>
-            <a:pPr marL="342900" indent="-342900">
-              <a:buFont typeface="Arial" panose="020B0604020202020204" pitchFamily="34" charset="0"/>
-              <a:buChar char="•"/>
-            </a:pPr>
-            <a:r>
-              <a:rPr lang="zh-CN" altLang="en-US" sz="2400" b="1" dirty="0">
-                <a:solidFill>
-                  <a:schemeClr val="bg1"/>
-                </a:solidFill>
-              </a:rPr>
-              <a:t>配置管理计划</a:t>
-            </a:r>
-            <a:endParaRPr lang="en-US" altLang="zh-CN" sz="2400" dirty="0">
-              <a:solidFill>
-                <a:schemeClr val="bg1"/>
-              </a:solidFill>
-            </a:endParaRPr>
-          </a:p>
-        </p:txBody>
-      </p:sp>
-      <p:pic>
-        <p:nvPicPr>
-          <p:cNvPr id="3" name="图片 2"/>
-          <p:cNvPicPr>
-            <a:picLocks noChangeAspect="1"/>
-          </p:cNvPicPr>
-          <p:nvPr/>
-        </p:nvPicPr>
-        <p:blipFill rotWithShape="1">
-          <a:blip r:embed="rId3"/>
-          <a:srcRect l="32834" t="30815" r="15417" b="23106"/>
-          <a:stretch/>
-        </p:blipFill>
-        <p:spPr>
-          <a:xfrm>
             <a:off x="2149990" y="2293871"/>
             <a:ext cx="6709530" cy="3360573"/>
           </a:xfrm>
@@ -8864,7 +8052,7 @@
 </p:sld>
 </file>
 
-<file path=ppt/slides/slide15.xml><?xml version="1.0" encoding="utf-8"?>
+<file path=ppt/slides/slide14.xml><?xml version="1.0" encoding="utf-8"?>
 <p:sld xmlns:a="http://schemas.openxmlformats.org/drawingml/2006/main" xmlns:r="http://schemas.openxmlformats.org/officeDocument/2006/relationships" xmlns:p="http://schemas.openxmlformats.org/presentationml/2006/main">
   <p:cSld>
     <p:spTree>
@@ -9675,7 +8863,7 @@
 </p:sld>
 </file>
 
-<file path=ppt/slides/slide16.xml><?xml version="1.0" encoding="utf-8"?>
+<file path=ppt/slides/slide15.xml><?xml version="1.0" encoding="utf-8"?>
 <p:sld xmlns:a="http://schemas.openxmlformats.org/drawingml/2006/main" xmlns:r="http://schemas.openxmlformats.org/officeDocument/2006/relationships" xmlns:p="http://schemas.openxmlformats.org/presentationml/2006/main">
   <p:cSld>
     <p:spTree>
